--- a/Final_Presentation.pptx
+++ b/Final_Presentation.pptx
@@ -104,6 +104,11 @@
       </a:defRPr>
     </a:lvl9pPr>
   </p:defaultTextStyle>
+  <p:extLst>
+    <p:ext uri="{EFAFB233-063F-42B5-8137-9DF3F51BA10A}">
+      <p15:sldGuideLst xmlns:p15="http://schemas.microsoft.com/office/powerpoint/2012/main"/>
+    </p:ext>
+  </p:extLst>
 </p:presentation>
 </file>
 
@@ -254,7 +259,7 @@
           <a:p>
             <a:fld id="{8DFB5B06-455A-410E-8088-B9797B20C644}" type="datetimeFigureOut">
               <a:rPr lang="en-US" smtClean="0"/>
-              <a:t>4/26/2022</a:t>
+              <a:t>4/29/2022</a:t>
             </a:fld>
             <a:endParaRPr lang="en-US"/>
           </a:p>
@@ -452,7 +457,7 @@
           <a:p>
             <a:fld id="{8DFB5B06-455A-410E-8088-B9797B20C644}" type="datetimeFigureOut">
               <a:rPr lang="en-US" smtClean="0"/>
-              <a:t>4/26/2022</a:t>
+              <a:t>4/29/2022</a:t>
             </a:fld>
             <a:endParaRPr lang="en-US"/>
           </a:p>
@@ -660,7 +665,7 @@
           <a:p>
             <a:fld id="{8DFB5B06-455A-410E-8088-B9797B20C644}" type="datetimeFigureOut">
               <a:rPr lang="en-US" smtClean="0"/>
-              <a:t>4/26/2022</a:t>
+              <a:t>4/29/2022</a:t>
             </a:fld>
             <a:endParaRPr lang="en-US"/>
           </a:p>
@@ -858,7 +863,7 @@
           <a:p>
             <a:fld id="{8DFB5B06-455A-410E-8088-B9797B20C644}" type="datetimeFigureOut">
               <a:rPr lang="en-US" smtClean="0"/>
-              <a:t>4/26/2022</a:t>
+              <a:t>4/29/2022</a:t>
             </a:fld>
             <a:endParaRPr lang="en-US"/>
           </a:p>
@@ -1133,7 +1138,7 @@
           <a:p>
             <a:fld id="{8DFB5B06-455A-410E-8088-B9797B20C644}" type="datetimeFigureOut">
               <a:rPr lang="en-US" smtClean="0"/>
-              <a:t>4/26/2022</a:t>
+              <a:t>4/29/2022</a:t>
             </a:fld>
             <a:endParaRPr lang="en-US"/>
           </a:p>
@@ -1398,7 +1403,7 @@
           <a:p>
             <a:fld id="{8DFB5B06-455A-410E-8088-B9797B20C644}" type="datetimeFigureOut">
               <a:rPr lang="en-US" smtClean="0"/>
-              <a:t>4/26/2022</a:t>
+              <a:t>4/29/2022</a:t>
             </a:fld>
             <a:endParaRPr lang="en-US"/>
           </a:p>
@@ -1810,7 +1815,7 @@
           <a:p>
             <a:fld id="{8DFB5B06-455A-410E-8088-B9797B20C644}" type="datetimeFigureOut">
               <a:rPr lang="en-US" smtClean="0"/>
-              <a:t>4/26/2022</a:t>
+              <a:t>4/29/2022</a:t>
             </a:fld>
             <a:endParaRPr lang="en-US"/>
           </a:p>
@@ -1951,7 +1956,7 @@
           <a:p>
             <a:fld id="{8DFB5B06-455A-410E-8088-B9797B20C644}" type="datetimeFigureOut">
               <a:rPr lang="en-US" smtClean="0"/>
-              <a:t>4/26/2022</a:t>
+              <a:t>4/29/2022</a:t>
             </a:fld>
             <a:endParaRPr lang="en-US"/>
           </a:p>
@@ -2064,7 +2069,7 @@
           <a:p>
             <a:fld id="{8DFB5B06-455A-410E-8088-B9797B20C644}" type="datetimeFigureOut">
               <a:rPr lang="en-US" smtClean="0"/>
-              <a:t>4/26/2022</a:t>
+              <a:t>4/29/2022</a:t>
             </a:fld>
             <a:endParaRPr lang="en-US"/>
           </a:p>
@@ -2375,7 +2380,7 @@
           <a:p>
             <a:fld id="{8DFB5B06-455A-410E-8088-B9797B20C644}" type="datetimeFigureOut">
               <a:rPr lang="en-US" smtClean="0"/>
-              <a:t>4/26/2022</a:t>
+              <a:t>4/29/2022</a:t>
             </a:fld>
             <a:endParaRPr lang="en-US"/>
           </a:p>
@@ -2663,7 +2668,7 @@
           <a:p>
             <a:fld id="{8DFB5B06-455A-410E-8088-B9797B20C644}" type="datetimeFigureOut">
               <a:rPr lang="en-US" smtClean="0"/>
-              <a:t>4/26/2022</a:t>
+              <a:t>4/29/2022</a:t>
             </a:fld>
             <a:endParaRPr lang="en-US"/>
           </a:p>
@@ -2904,7 +2909,7 @@
           <a:p>
             <a:fld id="{8DFB5B06-455A-410E-8088-B9797B20C644}" type="datetimeFigureOut">
               <a:rPr lang="en-US" smtClean="0"/>
-              <a:t>4/26/2022</a:t>
+              <a:t>4/29/2022</a:t>
             </a:fld>
             <a:endParaRPr lang="en-US"/>
           </a:p>
@@ -3342,7 +3347,10 @@
           <a:bodyPr/>
           <a:lstStyle/>
           <a:p>
-            <a:endParaRPr lang="en-US"/>
+            <a:r>
+              <a:rPr lang="en-US"/>
+              <a:t>Group Project</a:t>
+            </a:r>
           </a:p>
         </p:txBody>
       </p:sp>

--- a/Final_Presentation.pptx
+++ b/Final_Presentation.pptx
@@ -104,7 +104,49 @@
       </a:defRPr>
     </a:lvl9pPr>
   </p:defaultTextStyle>
+  <p:extLst>
+    <p:ext uri="{EFAFB233-063F-42B5-8137-9DF3F51BA10A}">
+      <p15:sldGuideLst xmlns:p15="http://schemas.microsoft.com/office/powerpoint/2012/main"/>
+    </p:ext>
+  </p:extLst>
 </p:presentation>
+</file>
+
+<file path=ppt/changesInfos/changesInfo1.xml><?xml version="1.0" encoding="utf-8"?>
+<pc:chgInfo xmlns:a="http://schemas.openxmlformats.org/drawingml/2006/main" xmlns:r="http://schemas.openxmlformats.org/officeDocument/2006/relationships" xmlns:ac="http://schemas.microsoft.com/office/drawing/2013/main/command" xmlns:pc="http://schemas.microsoft.com/office/powerpoint/2013/main/command">
+  <pc:docChgLst>
+    <pc:chgData name="Blake Shabshab" userId="4df777b388dbcbf6" providerId="LiveId" clId="{2B531D77-4582-46B3-9BD6-175F3CBD396F}"/>
+    <pc:docChg chg="modSld">
+      <pc:chgData name="Blake Shabshab" userId="4df777b388dbcbf6" providerId="LiveId" clId="{2B531D77-4582-46B3-9BD6-175F3CBD396F}" dt="2022-04-29T17:39:40.371" v="82" actId="20577"/>
+      <pc:docMkLst>
+        <pc:docMk/>
+      </pc:docMkLst>
+      <pc:sldChg chg="modSp mod">
+        <pc:chgData name="Blake Shabshab" userId="4df777b388dbcbf6" providerId="LiveId" clId="{2B531D77-4582-46B3-9BD6-175F3CBD396F}" dt="2022-04-29T17:39:40.371" v="82" actId="20577"/>
+        <pc:sldMkLst>
+          <pc:docMk/>
+          <pc:sldMk cId="2363524918" sldId="256"/>
+        </pc:sldMkLst>
+        <pc:spChg chg="mod">
+          <ac:chgData name="Blake Shabshab" userId="4df777b388dbcbf6" providerId="LiveId" clId="{2B531D77-4582-46B3-9BD6-175F3CBD396F}" dt="2022-04-29T17:38:11.351" v="19" actId="20577"/>
+          <ac:spMkLst>
+            <pc:docMk/>
+            <pc:sldMk cId="2363524918" sldId="256"/>
+            <ac:spMk id="2" creationId="{99013365-CB1E-4A19-A5ED-40E74ECE5B2E}"/>
+          </ac:spMkLst>
+        </pc:spChg>
+        <pc:spChg chg="mod">
+          <ac:chgData name="Blake Shabshab" userId="4df777b388dbcbf6" providerId="LiveId" clId="{2B531D77-4582-46B3-9BD6-175F3CBD396F}" dt="2022-04-29T17:39:40.371" v="82" actId="20577"/>
+          <ac:spMkLst>
+            <pc:docMk/>
+            <pc:sldMk cId="2363524918" sldId="256"/>
+            <ac:spMk id="3" creationId="{84A6F6BA-A34A-44C3-ABEE-A1FB75E4E04A}"/>
+          </ac:spMkLst>
+        </pc:spChg>
+      </pc:sldChg>
+    </pc:docChg>
+  </pc:docChgLst>
+</pc:chgInfo>
 </file>
 
 <file path=ppt/slideLayouts/slideLayout1.xml><?xml version="1.0" encoding="utf-8"?>
@@ -254,7 +296,7 @@
           <a:p>
             <a:fld id="{8DFB5B06-455A-410E-8088-B9797B20C644}" type="datetimeFigureOut">
               <a:rPr lang="en-US" smtClean="0"/>
-              <a:t>4/26/2022</a:t>
+              <a:t>4/29/2022</a:t>
             </a:fld>
             <a:endParaRPr lang="en-US"/>
           </a:p>
@@ -452,7 +494,7 @@
           <a:p>
             <a:fld id="{8DFB5B06-455A-410E-8088-B9797B20C644}" type="datetimeFigureOut">
               <a:rPr lang="en-US" smtClean="0"/>
-              <a:t>4/26/2022</a:t>
+              <a:t>4/29/2022</a:t>
             </a:fld>
             <a:endParaRPr lang="en-US"/>
           </a:p>
@@ -660,7 +702,7 @@
           <a:p>
             <a:fld id="{8DFB5B06-455A-410E-8088-B9797B20C644}" type="datetimeFigureOut">
               <a:rPr lang="en-US" smtClean="0"/>
-              <a:t>4/26/2022</a:t>
+              <a:t>4/29/2022</a:t>
             </a:fld>
             <a:endParaRPr lang="en-US"/>
           </a:p>
@@ -858,7 +900,7 @@
           <a:p>
             <a:fld id="{8DFB5B06-455A-410E-8088-B9797B20C644}" type="datetimeFigureOut">
               <a:rPr lang="en-US" smtClean="0"/>
-              <a:t>4/26/2022</a:t>
+              <a:t>4/29/2022</a:t>
             </a:fld>
             <a:endParaRPr lang="en-US"/>
           </a:p>
@@ -1133,7 +1175,7 @@
           <a:p>
             <a:fld id="{8DFB5B06-455A-410E-8088-B9797B20C644}" type="datetimeFigureOut">
               <a:rPr lang="en-US" smtClean="0"/>
-              <a:t>4/26/2022</a:t>
+              <a:t>4/29/2022</a:t>
             </a:fld>
             <a:endParaRPr lang="en-US"/>
           </a:p>
@@ -1398,7 +1440,7 @@
           <a:p>
             <a:fld id="{8DFB5B06-455A-410E-8088-B9797B20C644}" type="datetimeFigureOut">
               <a:rPr lang="en-US" smtClean="0"/>
-              <a:t>4/26/2022</a:t>
+              <a:t>4/29/2022</a:t>
             </a:fld>
             <a:endParaRPr lang="en-US"/>
           </a:p>
@@ -1810,7 +1852,7 @@
           <a:p>
             <a:fld id="{8DFB5B06-455A-410E-8088-B9797B20C644}" type="datetimeFigureOut">
               <a:rPr lang="en-US" smtClean="0"/>
-              <a:t>4/26/2022</a:t>
+              <a:t>4/29/2022</a:t>
             </a:fld>
             <a:endParaRPr lang="en-US"/>
           </a:p>
@@ -1951,7 +1993,7 @@
           <a:p>
             <a:fld id="{8DFB5B06-455A-410E-8088-B9797B20C644}" type="datetimeFigureOut">
               <a:rPr lang="en-US" smtClean="0"/>
-              <a:t>4/26/2022</a:t>
+              <a:t>4/29/2022</a:t>
             </a:fld>
             <a:endParaRPr lang="en-US"/>
           </a:p>
@@ -2064,7 +2106,7 @@
           <a:p>
             <a:fld id="{8DFB5B06-455A-410E-8088-B9797B20C644}" type="datetimeFigureOut">
               <a:rPr lang="en-US" smtClean="0"/>
-              <a:t>4/26/2022</a:t>
+              <a:t>4/29/2022</a:t>
             </a:fld>
             <a:endParaRPr lang="en-US"/>
           </a:p>
@@ -2375,7 +2417,7 @@
           <a:p>
             <a:fld id="{8DFB5B06-455A-410E-8088-B9797B20C644}" type="datetimeFigureOut">
               <a:rPr lang="en-US" smtClean="0"/>
-              <a:t>4/26/2022</a:t>
+              <a:t>4/29/2022</a:t>
             </a:fld>
             <a:endParaRPr lang="en-US"/>
           </a:p>
@@ -2663,7 +2705,7 @@
           <a:p>
             <a:fld id="{8DFB5B06-455A-410E-8088-B9797B20C644}" type="datetimeFigureOut">
               <a:rPr lang="en-US" smtClean="0"/>
-              <a:t>4/26/2022</a:t>
+              <a:t>4/29/2022</a:t>
             </a:fld>
             <a:endParaRPr lang="en-US"/>
           </a:p>
@@ -2904,7 +2946,7 @@
           <a:p>
             <a:fld id="{8DFB5B06-455A-410E-8088-B9797B20C644}" type="datetimeFigureOut">
               <a:rPr lang="en-US" smtClean="0"/>
-              <a:t>4/26/2022</a:t>
+              <a:t>4/29/2022</a:t>
             </a:fld>
             <a:endParaRPr lang="en-US"/>
           </a:p>
@@ -3342,7 +3384,14 @@
           <a:bodyPr/>
           <a:lstStyle/>
           <a:p>
-            <a:endParaRPr lang="en-US"/>
+            <a:r>
+              <a:rPr lang="en-US" dirty="0"/>
+              <a:t>Final Group Project</a:t>
+            </a:r>
+            <a:br>
+              <a:rPr lang="en-US" dirty="0"/>
+            </a:br>
+            <a:endParaRPr lang="en-US" dirty="0"/>
           </a:p>
         </p:txBody>
       </p:sp>
@@ -3367,7 +3416,38 @@
           <a:bodyPr/>
           <a:lstStyle/>
           <a:p>
-            <a:endParaRPr lang="en-US"/>
+            <a:r>
+              <a:rPr lang="en-US" dirty="0"/>
+              <a:t>Zoe Douglas, </a:t>
+            </a:r>
+            <a:r>
+              <a:rPr lang="en-US" dirty="0" err="1"/>
+              <a:t>Jovanne</a:t>
+            </a:r>
+            <a:r>
+              <a:rPr lang="en-US" dirty="0"/>
+              <a:t> </a:t>
+            </a:r>
+            <a:r>
+              <a:rPr lang="en-US" dirty="0" err="1"/>
+              <a:t>Saldierna</a:t>
+            </a:r>
+            <a:r>
+              <a:rPr lang="en-US" dirty="0"/>
+              <a:t>, Chris </a:t>
+            </a:r>
+            <a:r>
+              <a:rPr lang="en-US" dirty="0" err="1"/>
+              <a:t>Hishmeh</a:t>
+            </a:r>
+            <a:r>
+              <a:rPr lang="en-US" dirty="0"/>
+              <a:t>, </a:t>
+            </a:r>
+            <a:r>
+              <a:rPr lang="en-US"/>
+              <a:t>Blake Shabshab</a:t>
+            </a:r>
           </a:p>
         </p:txBody>
       </p:sp>

--- a/Final_Presentation.pptx
+++ b/Final_Presentation.pptx
@@ -259,7 +259,7 @@
           <a:p>
             <a:fld id="{8DFB5B06-455A-410E-8088-B9797B20C644}" type="datetimeFigureOut">
               <a:rPr lang="en-US" smtClean="0"/>
-              <a:t>4/29/2022</a:t>
+              <a:t>4/29/22</a:t>
             </a:fld>
             <a:endParaRPr lang="en-US"/>
           </a:p>
@@ -457,7 +457,7 @@
           <a:p>
             <a:fld id="{8DFB5B06-455A-410E-8088-B9797B20C644}" type="datetimeFigureOut">
               <a:rPr lang="en-US" smtClean="0"/>
-              <a:t>4/29/2022</a:t>
+              <a:t>4/29/22</a:t>
             </a:fld>
             <a:endParaRPr lang="en-US"/>
           </a:p>
@@ -665,7 +665,7 @@
           <a:p>
             <a:fld id="{8DFB5B06-455A-410E-8088-B9797B20C644}" type="datetimeFigureOut">
               <a:rPr lang="en-US" smtClean="0"/>
-              <a:t>4/29/2022</a:t>
+              <a:t>4/29/22</a:t>
             </a:fld>
             <a:endParaRPr lang="en-US"/>
           </a:p>
@@ -863,7 +863,7 @@
           <a:p>
             <a:fld id="{8DFB5B06-455A-410E-8088-B9797B20C644}" type="datetimeFigureOut">
               <a:rPr lang="en-US" smtClean="0"/>
-              <a:t>4/29/2022</a:t>
+              <a:t>4/29/22</a:t>
             </a:fld>
             <a:endParaRPr lang="en-US"/>
           </a:p>
@@ -1138,7 +1138,7 @@
           <a:p>
             <a:fld id="{8DFB5B06-455A-410E-8088-B9797B20C644}" type="datetimeFigureOut">
               <a:rPr lang="en-US" smtClean="0"/>
-              <a:t>4/29/2022</a:t>
+              <a:t>4/29/22</a:t>
             </a:fld>
             <a:endParaRPr lang="en-US"/>
           </a:p>
@@ -1403,7 +1403,7 @@
           <a:p>
             <a:fld id="{8DFB5B06-455A-410E-8088-B9797B20C644}" type="datetimeFigureOut">
               <a:rPr lang="en-US" smtClean="0"/>
-              <a:t>4/29/2022</a:t>
+              <a:t>4/29/22</a:t>
             </a:fld>
             <a:endParaRPr lang="en-US"/>
           </a:p>
@@ -1815,7 +1815,7 @@
           <a:p>
             <a:fld id="{8DFB5B06-455A-410E-8088-B9797B20C644}" type="datetimeFigureOut">
               <a:rPr lang="en-US" smtClean="0"/>
-              <a:t>4/29/2022</a:t>
+              <a:t>4/29/22</a:t>
             </a:fld>
             <a:endParaRPr lang="en-US"/>
           </a:p>
@@ -1956,7 +1956,7 @@
           <a:p>
             <a:fld id="{8DFB5B06-455A-410E-8088-B9797B20C644}" type="datetimeFigureOut">
               <a:rPr lang="en-US" smtClean="0"/>
-              <a:t>4/29/2022</a:t>
+              <a:t>4/29/22</a:t>
             </a:fld>
             <a:endParaRPr lang="en-US"/>
           </a:p>
@@ -2069,7 +2069,7 @@
           <a:p>
             <a:fld id="{8DFB5B06-455A-410E-8088-B9797B20C644}" type="datetimeFigureOut">
               <a:rPr lang="en-US" smtClean="0"/>
-              <a:t>4/29/2022</a:t>
+              <a:t>4/29/22</a:t>
             </a:fld>
             <a:endParaRPr lang="en-US"/>
           </a:p>
@@ -2380,7 +2380,7 @@
           <a:p>
             <a:fld id="{8DFB5B06-455A-410E-8088-B9797B20C644}" type="datetimeFigureOut">
               <a:rPr lang="en-US" smtClean="0"/>
-              <a:t>4/29/2022</a:t>
+              <a:t>4/29/22</a:t>
             </a:fld>
             <a:endParaRPr lang="en-US"/>
           </a:p>
@@ -2668,7 +2668,7 @@
           <a:p>
             <a:fld id="{8DFB5B06-455A-410E-8088-B9797B20C644}" type="datetimeFigureOut">
               <a:rPr lang="en-US" smtClean="0"/>
-              <a:t>4/29/2022</a:t>
+              <a:t>4/29/22</a:t>
             </a:fld>
             <a:endParaRPr lang="en-US"/>
           </a:p>
@@ -2909,7 +2909,7 @@
           <a:p>
             <a:fld id="{8DFB5B06-455A-410E-8088-B9797B20C644}" type="datetimeFigureOut">
               <a:rPr lang="en-US" smtClean="0"/>
-              <a:t>4/29/2022</a:t>
+              <a:t>4/29/22</a:t>
             </a:fld>
             <a:endParaRPr lang="en-US"/>
           </a:p>
@@ -3375,7 +3375,26 @@
           <a:bodyPr/>
           <a:lstStyle/>
           <a:p>
-            <a:endParaRPr lang="en-US"/>
+            <a:r>
+              <a:rPr lang="en-US" dirty="0"/>
+              <a:t>By: Jovanne Saldierna, Chris </a:t>
+            </a:r>
+            <a:r>
+              <a:rPr lang="en-US" dirty="0" err="1"/>
+              <a:t>Hishmeh</a:t>
+            </a:r>
+            <a:r>
+              <a:rPr lang="en-US" dirty="0"/>
+              <a:t>, Zoe Douglas, Thomas </a:t>
+            </a:r>
+            <a:r>
+              <a:rPr lang="en-US" dirty="0" err="1"/>
+              <a:t>Shabshab</a:t>
+            </a:r>
+            <a:endParaRPr lang="en-US" dirty="0"/>
+          </a:p>
+          <a:p>
+            <a:endParaRPr lang="en-US" dirty="0"/>
           </a:p>
         </p:txBody>
       </p:sp>

--- a/Final_Presentation.pptx
+++ b/Final_Presentation.pptx
@@ -6,6 +6,11 @@
   </p:sldMasterIdLst>
   <p:sldIdLst>
     <p:sldId id="256" r:id="rId2"/>
+    <p:sldId id="257" r:id="rId3"/>
+    <p:sldId id="258" r:id="rId4"/>
+    <p:sldId id="259" r:id="rId5"/>
+    <p:sldId id="260" r:id="rId6"/>
+    <p:sldId id="261" r:id="rId7"/>
   </p:sldIdLst>
   <p:sldSz cx="12192000" cy="6858000"/>
   <p:notesSz cx="6858000" cy="9144000"/>
@@ -3411,6 +3416,409 @@
 </p:sld>
 </file>
 
+<file path=ppt/slides/slide2.xml><?xml version="1.0" encoding="utf-8"?>
+<p:sld xmlns:a="http://schemas.openxmlformats.org/drawingml/2006/main" xmlns:r="http://schemas.openxmlformats.org/officeDocument/2006/relationships" xmlns:p="http://schemas.openxmlformats.org/presentationml/2006/main">
+  <p:cSld>
+    <p:spTree>
+      <p:nvGrpSpPr>
+        <p:cNvPr id="1" name=""/>
+        <p:cNvGrpSpPr/>
+        <p:nvPr/>
+      </p:nvGrpSpPr>
+      <p:grpSpPr>
+        <a:xfrm>
+          <a:off x="0" y="0"/>
+          <a:ext cx="0" cy="0"/>
+          <a:chOff x="0" y="0"/>
+          <a:chExt cx="0" cy="0"/>
+        </a:xfrm>
+      </p:grpSpPr>
+      <p:sp>
+        <p:nvSpPr>
+          <p:cNvPr id="2" name="Title 1">
+            <a:extLst>
+              <a:ext uri="{FF2B5EF4-FFF2-40B4-BE49-F238E27FC236}">
+                <a16:creationId xmlns:a16="http://schemas.microsoft.com/office/drawing/2014/main" id="{04F7AA11-3447-FD40-AADB-F4C7EE87E893}"/>
+              </a:ext>
+            </a:extLst>
+          </p:cNvPr>
+          <p:cNvSpPr>
+            <a:spLocks noGrp="1"/>
+          </p:cNvSpPr>
+          <p:nvPr>
+            <p:ph type="title"/>
+          </p:nvPr>
+        </p:nvSpPr>
+        <p:spPr/>
+        <p:txBody>
+          <a:bodyPr/>
+          <a:lstStyle/>
+          <a:p>
+            <a:r>
+              <a:rPr lang="en-US"/>
+              <a:t>Predictions</a:t>
+            </a:r>
+          </a:p>
+        </p:txBody>
+      </p:sp>
+      <p:sp>
+        <p:nvSpPr>
+          <p:cNvPr id="3" name="Content Placeholder 2">
+            <a:extLst>
+              <a:ext uri="{FF2B5EF4-FFF2-40B4-BE49-F238E27FC236}">
+                <a16:creationId xmlns:a16="http://schemas.microsoft.com/office/drawing/2014/main" id="{8441B9D6-2894-5049-9D08-5585411992D1}"/>
+              </a:ext>
+            </a:extLst>
+          </p:cNvPr>
+          <p:cNvSpPr>
+            <a:spLocks noGrp="1"/>
+          </p:cNvSpPr>
+          <p:nvPr>
+            <p:ph idx="1"/>
+          </p:nvPr>
+        </p:nvSpPr>
+        <p:spPr/>
+        <p:txBody>
+          <a:bodyPr/>
+          <a:lstStyle/>
+          <a:p>
+            <a:endParaRPr lang="en-US"/>
+          </a:p>
+        </p:txBody>
+      </p:sp>
+    </p:spTree>
+    <p:extLst>
+      <p:ext uri="{BB962C8B-B14F-4D97-AF65-F5344CB8AC3E}">
+        <p14:creationId xmlns:p14="http://schemas.microsoft.com/office/powerpoint/2010/main" val="3254900805"/>
+      </p:ext>
+    </p:extLst>
+  </p:cSld>
+  <p:clrMapOvr>
+    <a:masterClrMapping/>
+  </p:clrMapOvr>
+</p:sld>
+</file>
+
+<file path=ppt/slides/slide3.xml><?xml version="1.0" encoding="utf-8"?>
+<p:sld xmlns:a="http://schemas.openxmlformats.org/drawingml/2006/main" xmlns:r="http://schemas.openxmlformats.org/officeDocument/2006/relationships" xmlns:p="http://schemas.openxmlformats.org/presentationml/2006/main">
+  <p:cSld>
+    <p:spTree>
+      <p:nvGrpSpPr>
+        <p:cNvPr id="1" name=""/>
+        <p:cNvGrpSpPr/>
+        <p:nvPr/>
+      </p:nvGrpSpPr>
+      <p:grpSpPr>
+        <a:xfrm>
+          <a:off x="0" y="0"/>
+          <a:ext cx="0" cy="0"/>
+          <a:chOff x="0" y="0"/>
+          <a:chExt cx="0" cy="0"/>
+        </a:xfrm>
+      </p:grpSpPr>
+      <p:sp>
+        <p:nvSpPr>
+          <p:cNvPr id="2" name="Title 1">
+            <a:extLst>
+              <a:ext uri="{FF2B5EF4-FFF2-40B4-BE49-F238E27FC236}">
+                <a16:creationId xmlns:a16="http://schemas.microsoft.com/office/drawing/2014/main" id="{CD83E0AA-4AB6-6342-BCED-AA7A54A00D8F}"/>
+              </a:ext>
+            </a:extLst>
+          </p:cNvPr>
+          <p:cNvSpPr>
+            <a:spLocks noGrp="1"/>
+          </p:cNvSpPr>
+          <p:nvPr>
+            <p:ph type="title"/>
+          </p:nvPr>
+        </p:nvSpPr>
+        <p:spPr/>
+        <p:txBody>
+          <a:bodyPr/>
+          <a:lstStyle/>
+          <a:p>
+            <a:endParaRPr lang="en-US"/>
+          </a:p>
+        </p:txBody>
+      </p:sp>
+      <p:sp>
+        <p:nvSpPr>
+          <p:cNvPr id="3" name="Content Placeholder 2">
+            <a:extLst>
+              <a:ext uri="{FF2B5EF4-FFF2-40B4-BE49-F238E27FC236}">
+                <a16:creationId xmlns:a16="http://schemas.microsoft.com/office/drawing/2014/main" id="{12D93969-562F-BA4C-B73D-0E2ECA44013F}"/>
+              </a:ext>
+            </a:extLst>
+          </p:cNvPr>
+          <p:cNvSpPr>
+            <a:spLocks noGrp="1"/>
+          </p:cNvSpPr>
+          <p:nvPr>
+            <p:ph idx="1"/>
+          </p:nvPr>
+        </p:nvSpPr>
+        <p:spPr/>
+        <p:txBody>
+          <a:bodyPr/>
+          <a:lstStyle/>
+          <a:p>
+            <a:endParaRPr lang="en-US"/>
+          </a:p>
+        </p:txBody>
+      </p:sp>
+    </p:spTree>
+    <p:extLst>
+      <p:ext uri="{BB962C8B-B14F-4D97-AF65-F5344CB8AC3E}">
+        <p14:creationId xmlns:p14="http://schemas.microsoft.com/office/powerpoint/2010/main" val="602707903"/>
+      </p:ext>
+    </p:extLst>
+  </p:cSld>
+  <p:clrMapOvr>
+    <a:masterClrMapping/>
+  </p:clrMapOvr>
+</p:sld>
+</file>
+
+<file path=ppt/slides/slide4.xml><?xml version="1.0" encoding="utf-8"?>
+<p:sld xmlns:a="http://schemas.openxmlformats.org/drawingml/2006/main" xmlns:r="http://schemas.openxmlformats.org/officeDocument/2006/relationships" xmlns:p="http://schemas.openxmlformats.org/presentationml/2006/main">
+  <p:cSld>
+    <p:spTree>
+      <p:nvGrpSpPr>
+        <p:cNvPr id="1" name=""/>
+        <p:cNvGrpSpPr/>
+        <p:nvPr/>
+      </p:nvGrpSpPr>
+      <p:grpSpPr>
+        <a:xfrm>
+          <a:off x="0" y="0"/>
+          <a:ext cx="0" cy="0"/>
+          <a:chOff x="0" y="0"/>
+          <a:chExt cx="0" cy="0"/>
+        </a:xfrm>
+      </p:grpSpPr>
+      <p:sp>
+        <p:nvSpPr>
+          <p:cNvPr id="2" name="Title 1">
+            <a:extLst>
+              <a:ext uri="{FF2B5EF4-FFF2-40B4-BE49-F238E27FC236}">
+                <a16:creationId xmlns:a16="http://schemas.microsoft.com/office/drawing/2014/main" id="{6967AE28-25C1-3444-8BC1-37F47C989949}"/>
+              </a:ext>
+            </a:extLst>
+          </p:cNvPr>
+          <p:cNvSpPr>
+            <a:spLocks noGrp="1"/>
+          </p:cNvSpPr>
+          <p:nvPr>
+            <p:ph type="title"/>
+          </p:nvPr>
+        </p:nvSpPr>
+        <p:spPr/>
+        <p:txBody>
+          <a:bodyPr/>
+          <a:lstStyle/>
+          <a:p>
+            <a:endParaRPr lang="en-US"/>
+          </a:p>
+        </p:txBody>
+      </p:sp>
+      <p:sp>
+        <p:nvSpPr>
+          <p:cNvPr id="3" name="Content Placeholder 2">
+            <a:extLst>
+              <a:ext uri="{FF2B5EF4-FFF2-40B4-BE49-F238E27FC236}">
+                <a16:creationId xmlns:a16="http://schemas.microsoft.com/office/drawing/2014/main" id="{1B56E40B-F02C-4F44-B116-5560C183AE2A}"/>
+              </a:ext>
+            </a:extLst>
+          </p:cNvPr>
+          <p:cNvSpPr>
+            <a:spLocks noGrp="1"/>
+          </p:cNvSpPr>
+          <p:nvPr>
+            <p:ph idx="1"/>
+          </p:nvPr>
+        </p:nvSpPr>
+        <p:spPr/>
+        <p:txBody>
+          <a:bodyPr/>
+          <a:lstStyle/>
+          <a:p>
+            <a:endParaRPr lang="en-US"/>
+          </a:p>
+        </p:txBody>
+      </p:sp>
+    </p:spTree>
+    <p:extLst>
+      <p:ext uri="{BB962C8B-B14F-4D97-AF65-F5344CB8AC3E}">
+        <p14:creationId xmlns:p14="http://schemas.microsoft.com/office/powerpoint/2010/main" val="1051629972"/>
+      </p:ext>
+    </p:extLst>
+  </p:cSld>
+  <p:clrMapOvr>
+    <a:masterClrMapping/>
+  </p:clrMapOvr>
+</p:sld>
+</file>
+
+<file path=ppt/slides/slide5.xml><?xml version="1.0" encoding="utf-8"?>
+<p:sld xmlns:a="http://schemas.openxmlformats.org/drawingml/2006/main" xmlns:r="http://schemas.openxmlformats.org/officeDocument/2006/relationships" xmlns:p="http://schemas.openxmlformats.org/presentationml/2006/main">
+  <p:cSld>
+    <p:spTree>
+      <p:nvGrpSpPr>
+        <p:cNvPr id="1" name=""/>
+        <p:cNvGrpSpPr/>
+        <p:nvPr/>
+      </p:nvGrpSpPr>
+      <p:grpSpPr>
+        <a:xfrm>
+          <a:off x="0" y="0"/>
+          <a:ext cx="0" cy="0"/>
+          <a:chOff x="0" y="0"/>
+          <a:chExt cx="0" cy="0"/>
+        </a:xfrm>
+      </p:grpSpPr>
+      <p:sp>
+        <p:nvSpPr>
+          <p:cNvPr id="2" name="Title 1">
+            <a:extLst>
+              <a:ext uri="{FF2B5EF4-FFF2-40B4-BE49-F238E27FC236}">
+                <a16:creationId xmlns:a16="http://schemas.microsoft.com/office/drawing/2014/main" id="{5E03CC05-63AE-D844-B2F6-FCA4BD5020D5}"/>
+              </a:ext>
+            </a:extLst>
+          </p:cNvPr>
+          <p:cNvSpPr>
+            <a:spLocks noGrp="1"/>
+          </p:cNvSpPr>
+          <p:nvPr>
+            <p:ph type="title"/>
+          </p:nvPr>
+        </p:nvSpPr>
+        <p:spPr/>
+        <p:txBody>
+          <a:bodyPr/>
+          <a:lstStyle/>
+          <a:p>
+            <a:endParaRPr lang="en-US"/>
+          </a:p>
+        </p:txBody>
+      </p:sp>
+      <p:sp>
+        <p:nvSpPr>
+          <p:cNvPr id="3" name="Content Placeholder 2">
+            <a:extLst>
+              <a:ext uri="{FF2B5EF4-FFF2-40B4-BE49-F238E27FC236}">
+                <a16:creationId xmlns:a16="http://schemas.microsoft.com/office/drawing/2014/main" id="{55A73AA3-808B-C34A-A4BF-BCD65A41E7E0}"/>
+              </a:ext>
+            </a:extLst>
+          </p:cNvPr>
+          <p:cNvSpPr>
+            <a:spLocks noGrp="1"/>
+          </p:cNvSpPr>
+          <p:nvPr>
+            <p:ph idx="1"/>
+          </p:nvPr>
+        </p:nvSpPr>
+        <p:spPr/>
+        <p:txBody>
+          <a:bodyPr/>
+          <a:lstStyle/>
+          <a:p>
+            <a:endParaRPr lang="en-US"/>
+          </a:p>
+        </p:txBody>
+      </p:sp>
+    </p:spTree>
+    <p:extLst>
+      <p:ext uri="{BB962C8B-B14F-4D97-AF65-F5344CB8AC3E}">
+        <p14:creationId xmlns:p14="http://schemas.microsoft.com/office/powerpoint/2010/main" val="2603085905"/>
+      </p:ext>
+    </p:extLst>
+  </p:cSld>
+  <p:clrMapOvr>
+    <a:masterClrMapping/>
+  </p:clrMapOvr>
+</p:sld>
+</file>
+
+<file path=ppt/slides/slide6.xml><?xml version="1.0" encoding="utf-8"?>
+<p:sld xmlns:a="http://schemas.openxmlformats.org/drawingml/2006/main" xmlns:r="http://schemas.openxmlformats.org/officeDocument/2006/relationships" xmlns:p="http://schemas.openxmlformats.org/presentationml/2006/main">
+  <p:cSld>
+    <p:spTree>
+      <p:nvGrpSpPr>
+        <p:cNvPr id="1" name=""/>
+        <p:cNvGrpSpPr/>
+        <p:nvPr/>
+      </p:nvGrpSpPr>
+      <p:grpSpPr>
+        <a:xfrm>
+          <a:off x="0" y="0"/>
+          <a:ext cx="0" cy="0"/>
+          <a:chOff x="0" y="0"/>
+          <a:chExt cx="0" cy="0"/>
+        </a:xfrm>
+      </p:grpSpPr>
+      <p:sp>
+        <p:nvSpPr>
+          <p:cNvPr id="2" name="Title 1">
+            <a:extLst>
+              <a:ext uri="{FF2B5EF4-FFF2-40B4-BE49-F238E27FC236}">
+                <a16:creationId xmlns:a16="http://schemas.microsoft.com/office/drawing/2014/main" id="{6F8D2331-75F7-EB44-947E-D3323DF4E68F}"/>
+              </a:ext>
+            </a:extLst>
+          </p:cNvPr>
+          <p:cNvSpPr>
+            <a:spLocks noGrp="1"/>
+          </p:cNvSpPr>
+          <p:nvPr>
+            <p:ph type="title"/>
+          </p:nvPr>
+        </p:nvSpPr>
+        <p:spPr/>
+        <p:txBody>
+          <a:bodyPr/>
+          <a:lstStyle/>
+          <a:p>
+            <a:endParaRPr lang="en-US"/>
+          </a:p>
+        </p:txBody>
+      </p:sp>
+      <p:sp>
+        <p:nvSpPr>
+          <p:cNvPr id="3" name="Content Placeholder 2">
+            <a:extLst>
+              <a:ext uri="{FF2B5EF4-FFF2-40B4-BE49-F238E27FC236}">
+                <a16:creationId xmlns:a16="http://schemas.microsoft.com/office/drawing/2014/main" id="{D5FEDC55-DCBD-C34C-8186-8C64BBFBA489}"/>
+              </a:ext>
+            </a:extLst>
+          </p:cNvPr>
+          <p:cNvSpPr>
+            <a:spLocks noGrp="1"/>
+          </p:cNvSpPr>
+          <p:nvPr>
+            <p:ph idx="1"/>
+          </p:nvPr>
+        </p:nvSpPr>
+        <p:spPr/>
+        <p:txBody>
+          <a:bodyPr/>
+          <a:lstStyle/>
+          <a:p>
+            <a:endParaRPr lang="en-US"/>
+          </a:p>
+        </p:txBody>
+      </p:sp>
+    </p:spTree>
+    <p:extLst>
+      <p:ext uri="{BB962C8B-B14F-4D97-AF65-F5344CB8AC3E}">
+        <p14:creationId xmlns:p14="http://schemas.microsoft.com/office/powerpoint/2010/main" val="2338513868"/>
+      </p:ext>
+    </p:extLst>
+  </p:cSld>
+  <p:clrMapOvr>
+    <a:masterClrMapping/>
+  </p:clrMapOvr>
+</p:sld>
+</file>
+
 <file path=ppt/theme/theme1.xml><?xml version="1.0" encoding="utf-8"?>
 <a:theme xmlns:a="http://schemas.openxmlformats.org/drawingml/2006/main" name="Office Theme">
   <a:themeElements>
